--- a/Intro_Presentation_seriously.pptx
+++ b/Intro_Presentation_seriously.pptx
@@ -3702,49 +3702,86 @@
           <a:bodyPr/>
           <a:lstStyle/>
           <a:p>
-            <a:r>
-              <a:rPr lang="en-US" dirty="0" smtClean="0"/>
-              <a:t>Smart watch with GPS, NFC Reader</a:t>
+            <a:pPr>
+              <a:buFont typeface="Wingdings" panose="05000000000000000000" pitchFamily="2" charset="2"/>
+              <a:buChar char="§"/>
+            </a:pPr>
+            <a:r>
+              <a:rPr lang="en-US" dirty="0" smtClean="0"/>
+              <a:t> Smart </a:t>
+            </a:r>
+            <a:r>
+              <a:rPr lang="en-US" dirty="0" smtClean="0"/>
+              <a:t>watch with GPS, NFC </a:t>
+            </a:r>
+            <a:r>
+              <a:rPr lang="en-US" dirty="0" smtClean="0"/>
+              <a:t>and BTLE</a:t>
+            </a:r>
+          </a:p>
+          <a:p>
+            <a:pPr>
+              <a:buFont typeface="Wingdings" panose="05000000000000000000" pitchFamily="2" charset="2"/>
+              <a:buChar char="§"/>
+            </a:pPr>
+            <a:r>
+              <a:rPr lang="en-US" dirty="0" smtClean="0"/>
+              <a:t> NFC </a:t>
             </a:r>
             <a:r>
               <a:rPr lang="en-US" dirty="0"/>
-              <a:t> </a:t>
-            </a:r>
-            <a:r>
-              <a:rPr lang="en-US" dirty="0" smtClean="0"/>
-              <a:t>and BTLE</a:t>
-            </a:r>
-          </a:p>
-          <a:p>
-            <a:r>
-              <a:rPr lang="en-US" dirty="0" smtClean="0"/>
-              <a:t>Pairing the SW with NFC tags in different objects (jacket, wallet, keys, </a:t>
-            </a:r>
-            <a:r>
-              <a:rPr lang="en-US" dirty="0" err="1" smtClean="0"/>
-              <a:t>etc</a:t>
-            </a:r>
-            <a:r>
-              <a:rPr lang="en-US" dirty="0" smtClean="0"/>
-              <a:t>)</a:t>
-            </a:r>
-          </a:p>
-          <a:p>
-            <a:r>
-              <a:rPr lang="en-US" dirty="0" smtClean="0"/>
-              <a:t>The main door is NFC enabled, and the reminders are triggered at the moment you leave the house</a:t>
-            </a:r>
-          </a:p>
-          <a:p>
-            <a:r>
-              <a:rPr lang="en-US" dirty="0" smtClean="0"/>
-              <a:t>The reminders can be dismissed by a swipe on your Watch or if you prefer on your phone</a:t>
-            </a:r>
-          </a:p>
-          <a:p>
-            <a:r>
-              <a:rPr lang="en-US" dirty="0" smtClean="0"/>
-              <a:t>Using Android Wear OS we can realize a quick implementation</a:t>
+              <a:t>tags in </a:t>
+            </a:r>
+            <a:r>
+              <a:rPr lang="en-US" dirty="0" smtClean="0"/>
+              <a:t>accessories &amp; </a:t>
+            </a:r>
+            <a:r>
+              <a:rPr lang="en-US" dirty="0"/>
+              <a:t>objects (jacket, wallet, keys, </a:t>
+            </a:r>
+            <a:r>
+              <a:rPr lang="en-US" dirty="0" smtClean="0"/>
+              <a:t>etc.)</a:t>
+            </a:r>
+            <a:endParaRPr lang="en-US" dirty="0" smtClean="0"/>
+          </a:p>
+          <a:p>
+            <a:pPr>
+              <a:buFont typeface="Wingdings" panose="05000000000000000000" pitchFamily="2" charset="2"/>
+              <a:buChar char="§"/>
+            </a:pPr>
+            <a:r>
+              <a:rPr lang="en-US" dirty="0" smtClean="0"/>
+              <a:t> Main </a:t>
+            </a:r>
+            <a:r>
+              <a:rPr lang="en-US" dirty="0" smtClean="0"/>
+              <a:t>door is NFC </a:t>
+            </a:r>
+            <a:r>
+              <a:rPr lang="en-US" dirty="0" smtClean="0"/>
+              <a:t>enabled, triggers reminders</a:t>
+            </a:r>
+          </a:p>
+          <a:p>
+            <a:pPr>
+              <a:buFont typeface="Wingdings" panose="05000000000000000000" pitchFamily="2" charset="2"/>
+              <a:buChar char="§"/>
+            </a:pPr>
+            <a:r>
+              <a:rPr lang="en-US" dirty="0" smtClean="0"/>
+              <a:t> Reminders dismissible by swiping on watch or phone</a:t>
+            </a:r>
+          </a:p>
+          <a:p>
+            <a:pPr>
+              <a:buFont typeface="Wingdings" panose="05000000000000000000" pitchFamily="2" charset="2"/>
+              <a:buChar char="§"/>
+            </a:pPr>
+            <a:r>
+              <a:rPr lang="en-US" dirty="0" smtClean="0"/>
+              <a:t> Android (Wear) allows quick &amp; portable implementation</a:t>
             </a:r>
             <a:endParaRPr lang="en-US" dirty="0"/>
           </a:p>
@@ -3831,42 +3868,112 @@
             </a:r>
           </a:p>
           <a:p>
-            <a:pPr lvl="1"/>
-            <a:r>
-              <a:rPr lang="en-US" dirty="0" smtClean="0"/>
-              <a:t>Arduino NFC Shield</a:t>
-            </a:r>
-          </a:p>
-          <a:p>
-            <a:pPr lvl="1"/>
-            <a:r>
-              <a:rPr lang="de-DE" b="1" dirty="0" err="1">
+            <a:pPr marL="470916" lvl="1" indent="-342900">
+              <a:buFont typeface="+mj-lt"/>
+              <a:buAutoNum type="alphaLcParenR"/>
+            </a:pPr>
+            <a:r>
+              <a:rPr lang="en-US" dirty="0" smtClean="0"/>
+              <a:t>Arduino </a:t>
+            </a:r>
+            <a:r>
+              <a:rPr lang="en-US" dirty="0" smtClean="0"/>
+              <a:t>NFC Shield</a:t>
+            </a:r>
+          </a:p>
+          <a:p>
+            <a:pPr marL="470916" lvl="1" indent="-342900">
+              <a:buFont typeface="+mj-lt"/>
+              <a:buAutoNum type="alphaLcParenR"/>
+            </a:pPr>
+            <a:r>
+              <a:rPr lang="de-DE" dirty="0" err="1">
                 <a:hlinkClick r:id="rId2"/>
               </a:rPr>
               <a:t>Seeed</a:t>
             </a:r>
             <a:r>
-              <a:rPr lang="de-DE" b="1" dirty="0">
+              <a:rPr lang="de-DE" dirty="0">
                 <a:hlinkClick r:id="rId2"/>
               </a:rPr>
               <a:t> Micro BLE Module</a:t>
             </a:r>
             <a:r>
-              <a:rPr lang="de-DE" b="1" dirty="0"/>
+              <a:rPr lang="de-DE" dirty="0"/>
               <a:t> + </a:t>
             </a:r>
             <a:r>
-              <a:rPr lang="de-DE" b="1" dirty="0">
+              <a:rPr lang="de-DE" dirty="0">
                 <a:hlinkClick r:id="rId3"/>
               </a:rPr>
-              <a:t>Grove - </a:t>
-            </a:r>
-            <a:r>
-              <a:rPr lang="de-DE" b="1" dirty="0" smtClean="0">
+              <a:t>Grove </a:t>
+            </a:r>
+            <a:r>
+              <a:rPr lang="de-DE" dirty="0" smtClean="0">
                 <a:hlinkClick r:id="rId3"/>
               </a:rPr>
-              <a:t>NFC</a:t>
-            </a:r>
+              <a:t>– NFC</a:t>
+            </a:r>
+            <a:endParaRPr lang="de-DE" dirty="0" smtClean="0"/>
+          </a:p>
+          <a:p>
+            <a:pPr lvl="1"/>
+            <a:r>
+              <a:rPr lang="en-US" dirty="0" smtClean="0"/>
+              <a:t>Both</a:t>
+            </a:r>
+            <a:r>
+              <a:rPr lang="de-DE" dirty="0" smtClean="0"/>
+              <a:t> </a:t>
+            </a:r>
+            <a:r>
+              <a:rPr lang="de-DE" dirty="0" err="1" smtClean="0"/>
+              <a:t>means</a:t>
+            </a:r>
+            <a:r>
+              <a:rPr lang="de-DE" dirty="0" smtClean="0"/>
+              <a:t> a </a:t>
+            </a:r>
+            <a:r>
+              <a:rPr lang="de-DE" dirty="0" err="1" smtClean="0"/>
+              <a:t>lot</a:t>
+            </a:r>
+            <a:r>
+              <a:rPr lang="de-DE" dirty="0" smtClean="0"/>
+              <a:t> </a:t>
+            </a:r>
+            <a:r>
+              <a:rPr lang="de-DE" dirty="0" err="1" smtClean="0"/>
+              <a:t>of</a:t>
+            </a:r>
+            <a:r>
+              <a:rPr lang="de-DE" dirty="0" smtClean="0"/>
+              <a:t> </a:t>
+            </a:r>
+            <a:r>
+              <a:rPr lang="de-DE" dirty="0" err="1" smtClean="0"/>
+              <a:t>work</a:t>
+            </a:r>
+            <a:r>
+              <a:rPr lang="de-DE" dirty="0" smtClean="0"/>
+              <a:t> on </a:t>
+            </a:r>
+            <a:r>
+              <a:rPr lang="de-DE" dirty="0" err="1" smtClean="0"/>
+              <a:t>the</a:t>
+            </a:r>
+            <a:r>
+              <a:rPr lang="de-DE" dirty="0" smtClean="0"/>
+              <a:t> </a:t>
+            </a:r>
+            <a:r>
+              <a:rPr lang="de-DE" dirty="0" err="1" smtClean="0"/>
+              <a:t>side</a:t>
+            </a:r>
+            <a:endParaRPr lang="de-DE" sz="2200" dirty="0" smtClean="0"/>
+          </a:p>
+          <a:p>
+            <a:pPr lvl="1"/>
             <a:endParaRPr lang="en-US" dirty="0" smtClean="0"/>
           </a:p>
           <a:p>
@@ -3883,8 +3990,26 @@
             <a:pPr lvl="1"/>
             <a:r>
               <a:rPr lang="en-US" dirty="0" smtClean="0"/>
-              <a:t>Direct connection with NFC-enabled phone</a:t>
-            </a:r>
+              <a:t>Direct connection with NFC-enabled </a:t>
+            </a:r>
+            <a:r>
+              <a:rPr lang="en-US" dirty="0" smtClean="0"/>
+              <a:t>phone</a:t>
+            </a:r>
+          </a:p>
+          <a:p>
+            <a:pPr lvl="1"/>
+            <a:r>
+              <a:rPr lang="en-US" smtClean="0"/>
+              <a:t>Using smartwatch </a:t>
+            </a:r>
+            <a:r>
+              <a:rPr lang="en-US" dirty="0" smtClean="0"/>
+              <a:t>for reminders only</a:t>
+            </a:r>
+          </a:p>
+          <a:p>
+            <a:pPr lvl="1"/>
             <a:endParaRPr lang="en-US" dirty="0"/>
           </a:p>
         </p:txBody>
@@ -3936,7 +4061,12 @@
             <p:ph type="title"/>
           </p:nvPr>
         </p:nvSpPr>
-        <p:spPr/>
+        <p:spPr>
+          <a:xfrm>
+            <a:off x="1050761" y="585216"/>
+            <a:ext cx="9720072" cy="1499616"/>
+          </a:xfrm>
+        </p:spPr>
         <p:txBody>
           <a:bodyPr/>
           <a:lstStyle/>
@@ -3966,7 +4096,23 @@
           <a:p>
             <a:r>
               <a:rPr lang="en-US" dirty="0" smtClean="0"/>
-              <a:t>Delegate, because that’s what businessmen do, they delegate</a:t>
+              <a:t>Delegation: (because </a:t>
+            </a:r>
+            <a:r>
+              <a:rPr lang="en-US" dirty="0" smtClean="0"/>
+              <a:t>that’s what </a:t>
+            </a:r>
+            <a:r>
+              <a:rPr lang="en-US" dirty="0" smtClean="0"/>
+              <a:t>we do</a:t>
+            </a:r>
+            <a:r>
+              <a:rPr lang="en-US" dirty="0" smtClean="0"/>
+              <a:t>, </a:t>
+            </a:r>
+            <a:r>
+              <a:rPr lang="en-US" dirty="0" smtClean="0"/>
+              <a:t>we delegate, at least preliminary)</a:t>
             </a:r>
             <a:endParaRPr lang="en-US" dirty="0"/>
           </a:p>
@@ -3982,77 +4128,114 @@
             <p:ph sz="half" idx="2"/>
           </p:nvPr>
         </p:nvSpPr>
-        <p:spPr/>
-        <p:txBody>
-          <a:bodyPr/>
-          <a:lstStyle/>
-          <a:p>
-            <a:r>
-              <a:rPr lang="en-US" smtClean="0"/>
-              <a:t>Hack-</a:t>
-            </a:r>
-            <a:r>
-              <a:rPr lang="en-US" dirty="0" err="1" smtClean="0"/>
-              <a:t>thor</a:t>
-            </a:r>
-            <a:r>
-              <a:rPr lang="en-US" dirty="0" smtClean="0"/>
-              <a:t> (</a:t>
-            </a:r>
-            <a:r>
-              <a:rPr lang="en-US" dirty="0" err="1" smtClean="0"/>
-              <a:t>burudmustum</a:t>
-            </a:r>
-            <a:r>
-              <a:rPr lang="en-US" dirty="0" smtClean="0"/>
-              <a:t>):</a:t>
-            </a:r>
+        <p:spPr>
+          <a:xfrm>
+            <a:off x="1024128" y="2967788"/>
+            <a:ext cx="4754880" cy="3761486"/>
+          </a:xfrm>
+        </p:spPr>
+        <p:txBody>
+          <a:bodyPr>
+            <a:normAutofit/>
+          </a:bodyPr>
+          <a:lstStyle/>
+          <a:p>
+            <a:r>
+              <a:rPr lang="en-US" dirty="0" smtClean="0"/>
+              <a:t>Hector :</a:t>
+            </a:r>
+            <a:endParaRPr lang="en-US" dirty="0" smtClean="0"/>
           </a:p>
           <a:p>
             <a:pPr lvl="1"/>
             <a:r>
               <a:rPr lang="en-US" dirty="0" smtClean="0"/>
-              <a:t>Marketing and looking good</a:t>
+              <a:t>‘Hello World’-SW App</a:t>
             </a:r>
           </a:p>
           <a:p>
             <a:pPr lvl="1"/>
-            <a:endParaRPr lang="en-US" dirty="0"/>
-          </a:p>
-          <a:p>
-            <a:r>
-              <a:rPr lang="en-US" dirty="0" smtClean="0"/>
-              <a:t>Chris</a:t>
-            </a:r>
+            <a:r>
+              <a:rPr lang="en-US" sz="1000" dirty="0" smtClean="0"/>
+              <a:t>(+ Marketing </a:t>
+            </a:r>
+            <a:r>
+              <a:rPr lang="en-US" sz="1000" dirty="0" smtClean="0"/>
+              <a:t>and looking </a:t>
+            </a:r>
+            <a:r>
+              <a:rPr lang="en-US" sz="1000" dirty="0" smtClean="0"/>
+              <a:t>good)</a:t>
+            </a:r>
+            <a:endParaRPr lang="en-US" dirty="0"/>
+          </a:p>
+          <a:p>
+            <a:r>
+              <a:rPr lang="en-US" dirty="0" smtClean="0"/>
+              <a:t>Chris :</a:t>
+            </a:r>
+            <a:endParaRPr lang="en-US" dirty="0" smtClean="0"/>
           </a:p>
           <a:p>
             <a:pPr lvl="1"/>
             <a:r>
               <a:rPr lang="en-US" dirty="0" smtClean="0"/>
-              <a:t>Buying SW and programming</a:t>
+              <a:t>Smartphone App design and concept</a:t>
             </a:r>
           </a:p>
           <a:p>
             <a:pPr lvl="1"/>
-            <a:endParaRPr lang="en-US" dirty="0"/>
-          </a:p>
-          <a:p>
-            <a:r>
-              <a:rPr lang="en-US" dirty="0" smtClean="0"/>
-              <a:t>Daniel</a:t>
-            </a:r>
+            <a:r>
+              <a:rPr lang="en-US" sz="1000" dirty="0" smtClean="0"/>
+              <a:t>(+ Buying </a:t>
+            </a:r>
+            <a:r>
+              <a:rPr lang="en-US" sz="1000" dirty="0" smtClean="0"/>
+              <a:t>SW and </a:t>
+            </a:r>
+            <a:r>
+              <a:rPr lang="en-US" sz="1000" dirty="0" smtClean="0"/>
+              <a:t>programming)</a:t>
+            </a:r>
+            <a:endParaRPr lang="en-US" dirty="0"/>
+          </a:p>
+          <a:p>
+            <a:r>
+              <a:rPr lang="en-US" dirty="0" smtClean="0"/>
+              <a:t>Daniel :</a:t>
+            </a:r>
+            <a:endParaRPr lang="en-US" dirty="0" smtClean="0"/>
           </a:p>
           <a:p>
             <a:pPr lvl="1"/>
             <a:r>
-              <a:rPr lang="en-US" dirty="0" err="1" smtClean="0"/>
+              <a:rPr lang="en-US" dirty="0" smtClean="0"/>
+              <a:t>Investigating NFC and API of Android</a:t>
+            </a:r>
+          </a:p>
+          <a:p>
+            <a:pPr lvl="1"/>
+            <a:r>
+              <a:rPr lang="en-US" sz="1000" dirty="0" smtClean="0"/>
+              <a:t>(+ </a:t>
+            </a:r>
+            <a:r>
+              <a:rPr lang="en-US" sz="1000" dirty="0" err="1" smtClean="0"/>
               <a:t>Github</a:t>
             </a:r>
             <a:r>
-              <a:rPr lang="en-US" dirty="0" smtClean="0"/>
-              <a:t> administration and wearables model</a:t>
-            </a:r>
-            <a:endParaRPr lang="en-US" dirty="0"/>
+              <a:rPr lang="en-US" sz="1000" dirty="0" smtClean="0"/>
+              <a:t> </a:t>
+            </a:r>
+            <a:r>
+              <a:rPr lang="en-US" sz="1000" dirty="0" smtClean="0"/>
+              <a:t>administration and wearables </a:t>
+            </a:r>
+            <a:r>
+              <a:rPr lang="en-US" sz="1000" dirty="0" smtClean="0"/>
+              <a:t>model)</a:t>
+            </a:r>
+            <a:endParaRPr lang="en-US" sz="1000" dirty="0"/>
           </a:p>
         </p:txBody>
       </p:sp>
@@ -4073,7 +4256,11 @@
           <a:p>
             <a:r>
               <a:rPr lang="en-US" dirty="0" smtClean="0"/>
-              <a:t>Milestones! Bitches!</a:t>
+              <a:t>Milestones</a:t>
+            </a:r>
+            <a:r>
+              <a:rPr lang="en-US" dirty="0" smtClean="0"/>
+              <a:t>!</a:t>
             </a:r>
             <a:endParaRPr lang="en-US" dirty="0"/>
           </a:p>
@@ -4096,17 +4283,164 @@
           <a:p>
             <a:r>
               <a:rPr lang="en-US" dirty="0" smtClean="0"/>
-              <a:t>Installation and making the first APK in Wear OS</a:t>
-            </a:r>
-          </a:p>
-          <a:p>
+              <a:t>Installation and making the first </a:t>
+            </a:r>
+            <a:r>
+              <a:rPr lang="en-US" dirty="0" smtClean="0"/>
+              <a:t/>
+            </a:r>
+            <a:br>
+              <a:rPr lang="en-US" dirty="0" smtClean="0"/>
+            </a:br>
+            <a:r>
+              <a:rPr lang="en-US" dirty="0" smtClean="0"/>
+              <a:t>‘hello world’ APK </a:t>
+            </a:r>
+            <a:r>
+              <a:rPr lang="en-US" dirty="0" smtClean="0"/>
+              <a:t>in Wear </a:t>
+            </a:r>
+            <a:r>
+              <a:rPr lang="en-US" dirty="0" smtClean="0"/>
+              <a:t>OS</a:t>
+            </a:r>
+            <a:br>
+              <a:rPr lang="en-US" dirty="0" smtClean="0"/>
+            </a:br>
+            <a:r>
+              <a:rPr lang="en-US" dirty="0"/>
+              <a:t>	</a:t>
+            </a:r>
+            <a:r>
+              <a:rPr lang="en-US" dirty="0" smtClean="0"/>
+              <a:t>Due: 18.11.2014</a:t>
+            </a:r>
             <a:endParaRPr lang="en-US" dirty="0" smtClean="0"/>
           </a:p>
           <a:p>
-            <a:r>
-              <a:rPr lang="en-US" dirty="0" smtClean="0"/>
-              <a:t>Connection between SW and phone complete</a:t>
-            </a:r>
+            <a:endParaRPr lang="en-US" dirty="0" smtClean="0"/>
+          </a:p>
+          <a:p>
+            <a:r>
+              <a:rPr lang="en-US" dirty="0" smtClean="0"/>
+              <a:t>First connection </a:t>
+            </a:r>
+            <a:r>
+              <a:rPr lang="en-US" dirty="0" smtClean="0"/>
+              <a:t>between SW and phone </a:t>
+            </a:r>
+            <a:r>
+              <a:rPr lang="en-US" dirty="0" smtClean="0"/>
+              <a:t>completed</a:t>
+            </a:r>
+            <a:br>
+              <a:rPr lang="en-US" dirty="0" smtClean="0"/>
+            </a:br>
+            <a:r>
+              <a:rPr lang="en-US" dirty="0"/>
+              <a:t>	Due: </a:t>
+            </a:r>
+            <a:r>
+              <a:rPr lang="en-US" dirty="0" smtClean="0"/>
+              <a:t>25.11.2014</a:t>
+            </a:r>
+            <a:endParaRPr lang="en-US" dirty="0"/>
+          </a:p>
+        </p:txBody>
+      </p:sp>
+      <p:sp>
+        <p:nvSpPr>
+          <p:cNvPr id="7" name="Pfeil nach rechts 6"/>
+          <p:cNvSpPr/>
+          <p:nvPr/>
+        </p:nvSpPr>
+        <p:spPr>
+          <a:xfrm>
+            <a:off x="6754546" y="3731147"/>
+            <a:ext cx="138964" cy="53266"/>
+          </a:xfrm>
+          <a:prstGeom prst="rightArrow">
+            <a:avLst/>
+          </a:prstGeom>
+          <a:solidFill>
+            <a:schemeClr val="tx1"/>
+          </a:solidFill>
+          <a:ln>
+            <a:solidFill>
+              <a:schemeClr val="tx1"/>
+            </a:solidFill>
+          </a:ln>
+        </p:spPr>
+        <p:style>
+          <a:lnRef idx="2">
+            <a:schemeClr val="accent1">
+              <a:shade val="50000"/>
+            </a:schemeClr>
+          </a:lnRef>
+          <a:fillRef idx="1">
+            <a:schemeClr val="accent1"/>
+          </a:fillRef>
+          <a:effectRef idx="0">
+            <a:schemeClr val="accent1"/>
+          </a:effectRef>
+          <a:fontRef idx="minor">
+            <a:schemeClr val="lt1"/>
+          </a:fontRef>
+        </p:style>
+        <p:txBody>
+          <a:bodyPr rtlCol="0" anchor="ctr"/>
+          <a:lstStyle/>
+          <a:p>
+            <a:pPr algn="ctr"/>
+            <a:endParaRPr lang="de-DE"/>
+          </a:p>
+        </p:txBody>
+      </p:sp>
+      <p:sp>
+        <p:nvSpPr>
+          <p:cNvPr id="8" name="Pfeil nach rechts 7"/>
+          <p:cNvSpPr/>
+          <p:nvPr/>
+        </p:nvSpPr>
+        <p:spPr>
+          <a:xfrm>
+            <a:off x="6756020" y="5288371"/>
+            <a:ext cx="138964" cy="53266"/>
+          </a:xfrm>
+          <a:prstGeom prst="rightArrow">
+            <a:avLst/>
+          </a:prstGeom>
+          <a:solidFill>
+            <a:schemeClr val="tx1"/>
+          </a:solidFill>
+          <a:ln>
+            <a:solidFill>
+              <a:schemeClr val="tx1"/>
+            </a:solidFill>
+          </a:ln>
+        </p:spPr>
+        <p:style>
+          <a:lnRef idx="2">
+            <a:schemeClr val="accent1">
+              <a:shade val="50000"/>
+            </a:schemeClr>
+          </a:lnRef>
+          <a:fillRef idx="1">
+            <a:schemeClr val="accent1"/>
+          </a:fillRef>
+          <a:effectRef idx="0">
+            <a:schemeClr val="accent1"/>
+          </a:effectRef>
+          <a:fontRef idx="minor">
+            <a:schemeClr val="lt1"/>
+          </a:fontRef>
+        </p:style>
+        <p:txBody>
+          <a:bodyPr rtlCol="0" anchor="ctr"/>
+          <a:lstStyle/>
+          <a:p>
+            <a:pPr algn="ctr"/>
+            <a:endParaRPr lang="de-DE"/>
           </a:p>
         </p:txBody>
       </p:sp>
@@ -4185,31 +4519,141 @@
           <a:bodyPr/>
           <a:lstStyle/>
           <a:p>
-            <a:r>
-              <a:rPr lang="en-US" dirty="0" smtClean="0"/>
-              <a:t>Each house is NFC enabled and your watch can recognize when you are visiting a friend, your family or your girl ; )</a:t>
-            </a:r>
-          </a:p>
-          <a:p>
-            <a:r>
-              <a:rPr lang="en-US" dirty="0" smtClean="0"/>
-              <a:t>Synchronization with your </a:t>
-            </a:r>
+            <a:pPr>
+              <a:buFont typeface="Wingdings" panose="05000000000000000000" pitchFamily="2" charset="2"/>
+              <a:buChar char="§"/>
+            </a:pPr>
             <a:r>
               <a:rPr lang="en-US" dirty="0"/>
-              <a:t>calendar </a:t>
-            </a:r>
-            <a:r>
-              <a:rPr lang="en-US" dirty="0" smtClean="0"/>
-              <a:t>reminds you about things to take along</a:t>
-            </a:r>
-          </a:p>
-          <a:p>
-            <a:r>
-              <a:rPr lang="en-US" dirty="0" smtClean="0"/>
-              <a:t>Also with your Weather App and warns you in case you forget your snow shoes, or your umbrella or your flip-flops (maybe not in Germany)</a:t>
-            </a:r>
-            <a:endParaRPr lang="en-US" dirty="0"/>
+              <a:t> </a:t>
+            </a:r>
+            <a:r>
+              <a:rPr lang="en-US" dirty="0" smtClean="0"/>
+              <a:t>The concept is expandable</a:t>
+            </a:r>
+          </a:p>
+          <a:p>
+            <a:pPr lvl="1">
+              <a:buFont typeface="Wingdings" panose="05000000000000000000" pitchFamily="2" charset="2"/>
+              <a:buChar char="§"/>
+            </a:pPr>
+            <a:endParaRPr lang="en-US" dirty="0"/>
+          </a:p>
+          <a:p>
+            <a:pPr lvl="1">
+              <a:buFont typeface="Wingdings" panose="05000000000000000000" pitchFamily="2" charset="2"/>
+              <a:buChar char="§"/>
+            </a:pPr>
+            <a:r>
+              <a:rPr lang="en-US" dirty="0" smtClean="0"/>
+              <a:t>All houses use NFC tags     take back home what you brought with you</a:t>
+            </a:r>
+          </a:p>
+          <a:p>
+            <a:pPr lvl="1">
+              <a:buFont typeface="Wingdings" panose="05000000000000000000" pitchFamily="2" charset="2"/>
+              <a:buChar char="§"/>
+            </a:pPr>
+            <a:endParaRPr lang="en-US" dirty="0" smtClean="0"/>
+          </a:p>
+          <a:p>
+            <a:pPr lvl="1">
+              <a:buFont typeface="Wingdings" panose="05000000000000000000" pitchFamily="2" charset="2"/>
+              <a:buChar char="§"/>
+            </a:pPr>
+            <a:r>
+              <a:rPr lang="en-US" dirty="0" smtClean="0"/>
+              <a:t>Link to calendar allows occasion-based reminders</a:t>
+            </a:r>
+          </a:p>
+          <a:p>
+            <a:pPr lvl="1">
+              <a:buFont typeface="Wingdings" panose="05000000000000000000" pitchFamily="2" charset="2"/>
+              <a:buChar char="§"/>
+            </a:pPr>
+            <a:endParaRPr lang="en-US" dirty="0" smtClean="0"/>
+          </a:p>
+          <a:p>
+            <a:pPr lvl="1">
+              <a:buFont typeface="Wingdings" panose="05000000000000000000" pitchFamily="2" charset="2"/>
+              <a:buChar char="§"/>
+            </a:pPr>
+            <a:r>
+              <a:rPr lang="en-US" dirty="0" smtClean="0"/>
+              <a:t>Connected to the internet weather forecast is available</a:t>
+            </a:r>
+          </a:p>
+          <a:p>
+            <a:pPr lvl="1">
+              <a:buFont typeface="Wingdings" panose="05000000000000000000" pitchFamily="2" charset="2"/>
+              <a:buChar char="§"/>
+            </a:pPr>
+            <a:endParaRPr lang="en-US" dirty="0"/>
+          </a:p>
+          <a:p>
+            <a:pPr lvl="1">
+              <a:buFont typeface="Wingdings" panose="05000000000000000000" pitchFamily="2" charset="2"/>
+              <a:buChar char="§"/>
+            </a:pPr>
+            <a:r>
+              <a:rPr lang="en-US" dirty="0" smtClean="0"/>
+              <a:t>All reminders are user configurable</a:t>
+            </a:r>
+          </a:p>
+          <a:p>
+            <a:pPr lvl="1">
+              <a:buFont typeface="Wingdings" panose="05000000000000000000" pitchFamily="2" charset="2"/>
+              <a:buChar char="§"/>
+            </a:pPr>
+            <a:endParaRPr lang="en-US" dirty="0" smtClean="0"/>
+          </a:p>
+        </p:txBody>
+      </p:sp>
+      <p:sp>
+        <p:nvSpPr>
+          <p:cNvPr id="7" name="Pfeil nach rechts 6"/>
+          <p:cNvSpPr/>
+          <p:nvPr/>
+        </p:nvSpPr>
+        <p:spPr>
+          <a:xfrm>
+            <a:off x="3576344" y="3116062"/>
+            <a:ext cx="138964" cy="53266"/>
+          </a:xfrm>
+          <a:prstGeom prst="rightArrow">
+            <a:avLst/>
+          </a:prstGeom>
+          <a:solidFill>
+            <a:schemeClr val="tx1"/>
+          </a:solidFill>
+          <a:ln>
+            <a:solidFill>
+              <a:schemeClr val="tx1"/>
+            </a:solidFill>
+          </a:ln>
+        </p:spPr>
+        <p:style>
+          <a:lnRef idx="2">
+            <a:schemeClr val="accent1">
+              <a:shade val="50000"/>
+            </a:schemeClr>
+          </a:lnRef>
+          <a:fillRef idx="1">
+            <a:schemeClr val="accent1"/>
+          </a:fillRef>
+          <a:effectRef idx="0">
+            <a:schemeClr val="accent1"/>
+          </a:effectRef>
+          <a:fontRef idx="minor">
+            <a:schemeClr val="lt1"/>
+          </a:fontRef>
+        </p:style>
+        <p:txBody>
+          <a:bodyPr rtlCol="0" anchor="ctr"/>
+          <a:lstStyle/>
+          <a:p>
+            <a:pPr algn="ctr"/>
+            <a:endParaRPr lang="de-DE"/>
           </a:p>
         </p:txBody>
       </p:sp>
